--- a/EEDA_Presentation.pptx
+++ b/EEDA_Presentation.pptx
@@ -55,6 +55,7 @@
     <p:sldId id="311" r:id="rId49"/>
     <p:sldId id="318" r:id="rId50"/>
     <p:sldId id="319" r:id="rId51"/>
+    <p:sldId id="320" r:id="rId52"/>
   </p:sldIdLst>
   <p:sldSz cx="12192000" cy="6858000"/>
   <p:notesSz cx="6858000" cy="9144000"/>
@@ -20874,7 +20875,7 @@
         <p:spPr>
           <a:xfrm>
             <a:off x="2444318" y="567779"/>
-            <a:ext cx="9428086" cy="3693319"/>
+            <a:ext cx="9428086" cy="3970318"/>
           </a:xfrm>
           <a:prstGeom prst="rect">
             <a:avLst/>
@@ -21082,7 +21083,59 @@
                   <a:srgbClr val="333333"/>
                 </a:solidFill>
               </a:rPr>
-              <a:t>, 2020.</a:t>
+              <a:t>, 2020</a:t>
+            </a:r>
+          </a:p>
+          <a:p>
+            <a:pPr algn="just"/>
+            <a:r>
+              <a:rPr lang="en-US" u="none" strike="noStrike" dirty="0">
+                <a:solidFill>
+                  <a:srgbClr val="333333"/>
+                </a:solidFill>
+                <a:effectLst/>
+              </a:rPr>
+              <a:t>-</a:t>
+            </a:r>
+            <a:r>
+              <a:rPr lang="it-IT" b="0" i="0" u="none" strike="noStrike" dirty="0">
+                <a:solidFill>
+                  <a:srgbClr val="24292E"/>
+                </a:solidFill>
+                <a:effectLst/>
+                <a:latin typeface="-apple-system"/>
+              </a:rPr>
+              <a:t>A Ferrario, R. </a:t>
+            </a:r>
+            <a:r>
+              <a:rPr lang="it-IT" b="0" i="0" u="none" strike="noStrike" dirty="0" err="1">
+                <a:solidFill>
+                  <a:srgbClr val="24292E"/>
+                </a:solidFill>
+                <a:effectLst/>
+                <a:latin typeface="-apple-system"/>
+              </a:rPr>
+              <a:t>Hämmerli</a:t>
+            </a:r>
+            <a:r>
+              <a:rPr lang="it-IT" b="0" i="0" u="none" strike="noStrike" dirty="0">
+                <a:solidFill>
+                  <a:srgbClr val="24292E"/>
+                </a:solidFill>
+                <a:effectLst/>
+                <a:latin typeface="-apple-system"/>
+              </a:rPr>
+              <a:t>, </a:t>
+            </a:r>
+            <a:r>
+              <a:rPr lang="en-US" b="0" i="0" u="none" strike="noStrike" dirty="0">
+                <a:solidFill>
+                  <a:srgbClr val="24292E"/>
+                </a:solidFill>
+                <a:effectLst/>
+                <a:latin typeface="-apple-system"/>
+              </a:rPr>
+              <a:t>On Boosting: Theory and Applications, 2019</a:t>
             </a:r>
             <a:endParaRPr lang="en-US" u="none" strike="noStrike" dirty="0">
               <a:solidFill>
@@ -21114,6 +21167,250 @@
     <p:extLst>
       <p:ext uri="{BB962C8B-B14F-4D97-AF65-F5344CB8AC3E}">
         <p14:creationId xmlns:p14="http://schemas.microsoft.com/office/powerpoint/2010/main" val="4186604102"/>
+      </p:ext>
+    </p:extLst>
+  </p:cSld>
+  <p:clrMapOvr>
+    <a:masterClrMapping/>
+  </p:clrMapOvr>
+</p:sld>
+</file>
+
+<file path=ppt/slides/slide51.xml><?xml version="1.0" encoding="utf-8"?>
+<p:sld xmlns:a="http://schemas.openxmlformats.org/drawingml/2006/main" xmlns:r="http://schemas.openxmlformats.org/officeDocument/2006/relationships" xmlns:p="http://schemas.openxmlformats.org/presentationml/2006/main">
+  <p:cSld>
+    <p:spTree>
+      <p:nvGrpSpPr>
+        <p:cNvPr id="1" name=""/>
+        <p:cNvGrpSpPr/>
+        <p:nvPr/>
+      </p:nvGrpSpPr>
+      <p:grpSpPr>
+        <a:xfrm>
+          <a:off x="0" y="0"/>
+          <a:ext cx="0" cy="0"/>
+          <a:chOff x="0" y="0"/>
+          <a:chExt cx="0" cy="0"/>
+        </a:xfrm>
+      </p:grpSpPr>
+      <p:pic>
+        <p:nvPicPr>
+          <p:cNvPr id="5" name="Immagine 4">
+            <a:extLst>
+              <a:ext uri="{FF2B5EF4-FFF2-40B4-BE49-F238E27FC236}">
+                <a16:creationId xmlns:a16="http://schemas.microsoft.com/office/drawing/2014/main" id="{B94CDB2E-E572-4D65-8E0E-856B54A31C65}"/>
+              </a:ext>
+            </a:extLst>
+          </p:cNvPr>
+          <p:cNvPicPr>
+            <a:picLocks noChangeAspect="1"/>
+          </p:cNvPicPr>
+          <p:nvPr/>
+        </p:nvPicPr>
+        <p:blipFill>
+          <a:blip r:embed="rId2">
+            <a:extLst>
+              <a:ext uri="{28A0092B-C50C-407E-A947-70E740481C1C}">
+                <a14:useLocalDpi xmlns:a14="http://schemas.microsoft.com/office/drawing/2010/main" val="0"/>
+              </a:ext>
+            </a:extLst>
+          </a:blip>
+          <a:stretch>
+            <a:fillRect/>
+          </a:stretch>
+        </p:blipFill>
+        <p:spPr>
+          <a:xfrm>
+            <a:off x="0" y="0"/>
+            <a:ext cx="1905000" cy="1905000"/>
+          </a:xfrm>
+          <a:prstGeom prst="rect">
+            <a:avLst/>
+          </a:prstGeom>
+        </p:spPr>
+      </p:pic>
+      <p:sp>
+        <p:nvSpPr>
+          <p:cNvPr id="8" name="CasellaDiTesto 7">
+            <a:extLst>
+              <a:ext uri="{FF2B5EF4-FFF2-40B4-BE49-F238E27FC236}">
+                <a16:creationId xmlns:a16="http://schemas.microsoft.com/office/drawing/2014/main" id="{4E9C4515-1C91-4016-9628-E837C489C039}"/>
+              </a:ext>
+            </a:extLst>
+          </p:cNvPr>
+          <p:cNvSpPr txBox="1"/>
+          <p:nvPr/>
+        </p:nvSpPr>
+        <p:spPr>
+          <a:xfrm>
+            <a:off x="2444318" y="567779"/>
+            <a:ext cx="9428086" cy="5786199"/>
+          </a:xfrm>
+          <a:prstGeom prst="rect">
+            <a:avLst/>
+          </a:prstGeom>
+          <a:noFill/>
+        </p:spPr>
+        <p:txBody>
+          <a:bodyPr wrap="square" rtlCol="0">
+            <a:spAutoFit/>
+          </a:bodyPr>
+          <a:lstStyle/>
+          <a:p>
+            <a:pPr algn="ctr"/>
+            <a:endParaRPr lang="it-IT" sz="2400" dirty="0">
+              <a:effectLst/>
+              <a:latin typeface="Bodoni MT Black" panose="02070A03080606020203" pitchFamily="18" charset="0"/>
+              <a:ea typeface="Calibri" panose="020F0502020204030204" pitchFamily="34" charset="0"/>
+              <a:cs typeface="Times New Roman" panose="02020603050405020304" pitchFamily="18" charset="0"/>
+            </a:endParaRPr>
+          </a:p>
+          <a:p>
+            <a:pPr algn="ctr"/>
+            <a:endParaRPr lang="it-IT" sz="2400" dirty="0">
+              <a:latin typeface="Bodoni MT Black" panose="02070A03080606020203" pitchFamily="18" charset="0"/>
+              <a:ea typeface="Calibri" panose="020F0502020204030204" pitchFamily="34" charset="0"/>
+              <a:cs typeface="Times New Roman" panose="02020603050405020304" pitchFamily="18" charset="0"/>
+            </a:endParaRPr>
+          </a:p>
+          <a:p>
+            <a:pPr algn="ctr"/>
+            <a:endParaRPr lang="it-IT" sz="2400" dirty="0">
+              <a:effectLst/>
+              <a:latin typeface="Bodoni MT Black" panose="02070A03080606020203" pitchFamily="18" charset="0"/>
+              <a:ea typeface="Calibri" panose="020F0502020204030204" pitchFamily="34" charset="0"/>
+              <a:cs typeface="Times New Roman" panose="02020603050405020304" pitchFamily="18" charset="0"/>
+            </a:endParaRPr>
+          </a:p>
+          <a:p>
+            <a:pPr algn="ctr"/>
+            <a:endParaRPr lang="it-IT" sz="2400" dirty="0">
+              <a:latin typeface="Bodoni MT Black" panose="02070A03080606020203" pitchFamily="18" charset="0"/>
+              <a:ea typeface="Calibri" panose="020F0502020204030204" pitchFamily="34" charset="0"/>
+              <a:cs typeface="Times New Roman" panose="02020603050405020304" pitchFamily="18" charset="0"/>
+            </a:endParaRPr>
+          </a:p>
+          <a:p>
+            <a:pPr algn="ctr"/>
+            <a:endParaRPr lang="it-IT" sz="2400" dirty="0">
+              <a:effectLst/>
+              <a:latin typeface="Bodoni MT Black" panose="02070A03080606020203" pitchFamily="18" charset="0"/>
+              <a:ea typeface="Calibri" panose="020F0502020204030204" pitchFamily="34" charset="0"/>
+              <a:cs typeface="Times New Roman" panose="02020603050405020304" pitchFamily="18" charset="0"/>
+            </a:endParaRPr>
+          </a:p>
+          <a:p>
+            <a:pPr algn="ctr"/>
+            <a:r>
+              <a:rPr lang="it-IT" sz="4000" dirty="0">
+                <a:solidFill>
+                  <a:srgbClr val="00B0F0"/>
+                </a:solidFill>
+                <a:effectLst/>
+                <a:latin typeface="Bodoni MT Black" panose="02070A03080606020203" pitchFamily="18" charset="0"/>
+                <a:ea typeface="Calibri" panose="020F0502020204030204" pitchFamily="34" charset="0"/>
+                <a:cs typeface="Times New Roman" panose="02020603050405020304" pitchFamily="18" charset="0"/>
+              </a:rPr>
+              <a:t>THANKS</a:t>
+            </a:r>
+          </a:p>
+          <a:p>
+            <a:pPr algn="ctr"/>
+            <a:endParaRPr lang="it-IT" sz="2400" u="none" strike="noStrike" dirty="0">
+              <a:solidFill>
+                <a:srgbClr val="333333"/>
+              </a:solidFill>
+              <a:latin typeface="Bodoni MT Black" panose="02070A03080606020203" pitchFamily="18" charset="0"/>
+              <a:cs typeface="Times New Roman" panose="02020603050405020304" pitchFamily="18" charset="0"/>
+            </a:endParaRPr>
+          </a:p>
+          <a:p>
+            <a:pPr algn="ctr"/>
+            <a:endParaRPr lang="it-IT" sz="2400" dirty="0">
+              <a:solidFill>
+                <a:srgbClr val="333333"/>
+              </a:solidFill>
+              <a:effectLst/>
+              <a:latin typeface="Bodoni MT Black" panose="02070A03080606020203" pitchFamily="18" charset="0"/>
+              <a:cs typeface="Times New Roman" panose="02020603050405020304" pitchFamily="18" charset="0"/>
+            </a:endParaRPr>
+          </a:p>
+          <a:p>
+            <a:pPr algn="ctr"/>
+            <a:endParaRPr lang="it-IT" sz="2400" u="none" strike="noStrike" dirty="0">
+              <a:solidFill>
+                <a:srgbClr val="333333"/>
+              </a:solidFill>
+              <a:latin typeface="Bodoni MT Black" panose="02070A03080606020203" pitchFamily="18" charset="0"/>
+              <a:cs typeface="Times New Roman" panose="02020603050405020304" pitchFamily="18" charset="0"/>
+            </a:endParaRPr>
+          </a:p>
+          <a:p>
+            <a:pPr algn="ctr"/>
+            <a:endParaRPr lang="it-IT" sz="2400" dirty="0">
+              <a:solidFill>
+                <a:srgbClr val="333333"/>
+              </a:solidFill>
+              <a:effectLst/>
+              <a:latin typeface="Bodoni MT Black" panose="02070A03080606020203" pitchFamily="18" charset="0"/>
+              <a:cs typeface="Times New Roman" panose="02020603050405020304" pitchFamily="18" charset="0"/>
+            </a:endParaRPr>
+          </a:p>
+          <a:p>
+            <a:pPr algn="ctr"/>
+            <a:endParaRPr lang="it-IT" sz="2400" u="none" strike="noStrike" dirty="0">
+              <a:solidFill>
+                <a:srgbClr val="333333"/>
+              </a:solidFill>
+              <a:latin typeface="Bodoni MT Black" panose="02070A03080606020203" pitchFamily="18" charset="0"/>
+              <a:cs typeface="Times New Roman" panose="02020603050405020304" pitchFamily="18" charset="0"/>
+            </a:endParaRPr>
+          </a:p>
+          <a:p>
+            <a:pPr algn="ctr"/>
+            <a:endParaRPr lang="en-US" u="none" strike="noStrike" dirty="0">
+              <a:solidFill>
+                <a:srgbClr val="333333"/>
+              </a:solidFill>
+              <a:effectLst/>
+            </a:endParaRPr>
+          </a:p>
+          <a:p>
+            <a:pPr algn="ctr"/>
+            <a:endParaRPr lang="en-US" u="none" strike="noStrike" dirty="0">
+              <a:solidFill>
+                <a:srgbClr val="333333"/>
+              </a:solidFill>
+              <a:effectLst/>
+            </a:endParaRPr>
+          </a:p>
+          <a:p>
+            <a:pPr algn="just"/>
+            <a:r>
+              <a:rPr lang="en-US" dirty="0"/>
+              <a:t>Contact:</a:t>
+            </a:r>
+          </a:p>
+          <a:p>
+            <a:pPr algn="just"/>
+            <a:r>
+              <a:rPr lang="en-US" dirty="0"/>
+              <a:t>c.giancaterino@gmail.com</a:t>
+            </a:r>
+          </a:p>
+          <a:p>
+            <a:pPr algn="just"/>
+            <a:r>
+              <a:rPr lang="en-US" dirty="0"/>
+              <a:t>https://www.linkedin.com/in/claudiods/</a:t>
+            </a:r>
+          </a:p>
+        </p:txBody>
+      </p:sp>
+    </p:spTree>
+    <p:extLst>
+      <p:ext uri="{BB962C8B-B14F-4D97-AF65-F5344CB8AC3E}">
+        <p14:creationId xmlns:p14="http://schemas.microsoft.com/office/powerpoint/2010/main" val="3665953676"/>
       </p:ext>
     </p:extLst>
   </p:cSld>

--- a/EEDA_Presentation.pptx
+++ b/EEDA_Presentation.pptx
@@ -20110,7 +20110,7 @@
                 <a:ea typeface="Calibri" panose="020F0502020204030204" pitchFamily="34" charset="0"/>
                 <a:cs typeface="Times New Roman" panose="02020603050405020304" pitchFamily="18" charset="0"/>
               </a:rPr>
-              <a:t>Asrtificial</a:t>
+              <a:t>Artificial</a:t>
             </a:r>
             <a:r>
               <a:rPr lang="it-IT" sz="2400" dirty="0">

--- a/EEDA_Presentation.pptx
+++ b/EEDA_Presentation.pptx
@@ -309,7 +309,7 @@
           <a:p>
             <a:fld id="{A5D274A6-A6BC-430F-8850-ACA5B73D8810}" type="datetimeFigureOut">
               <a:rPr lang="it-IT" smtClean="0"/>
-              <a:t>25/06/2020</a:t>
+              <a:t>26/06/2020</a:t>
             </a:fld>
             <a:endParaRPr lang="it-IT"/>
           </a:p>
@@ -507,7 +507,7 @@
           <a:p>
             <a:fld id="{A5D274A6-A6BC-430F-8850-ACA5B73D8810}" type="datetimeFigureOut">
               <a:rPr lang="it-IT" smtClean="0"/>
-              <a:t>25/06/2020</a:t>
+              <a:t>26/06/2020</a:t>
             </a:fld>
             <a:endParaRPr lang="it-IT"/>
           </a:p>
@@ -715,7 +715,7 @@
           <a:p>
             <a:fld id="{A5D274A6-A6BC-430F-8850-ACA5B73D8810}" type="datetimeFigureOut">
               <a:rPr lang="it-IT" smtClean="0"/>
-              <a:t>25/06/2020</a:t>
+              <a:t>26/06/2020</a:t>
             </a:fld>
             <a:endParaRPr lang="it-IT"/>
           </a:p>
@@ -913,7 +913,7 @@
           <a:p>
             <a:fld id="{A5D274A6-A6BC-430F-8850-ACA5B73D8810}" type="datetimeFigureOut">
               <a:rPr lang="it-IT" smtClean="0"/>
-              <a:t>25/06/2020</a:t>
+              <a:t>26/06/2020</a:t>
             </a:fld>
             <a:endParaRPr lang="it-IT"/>
           </a:p>
@@ -1188,7 +1188,7 @@
           <a:p>
             <a:fld id="{A5D274A6-A6BC-430F-8850-ACA5B73D8810}" type="datetimeFigureOut">
               <a:rPr lang="it-IT" smtClean="0"/>
-              <a:t>25/06/2020</a:t>
+              <a:t>26/06/2020</a:t>
             </a:fld>
             <a:endParaRPr lang="it-IT"/>
           </a:p>
@@ -1453,7 +1453,7 @@
           <a:p>
             <a:fld id="{A5D274A6-A6BC-430F-8850-ACA5B73D8810}" type="datetimeFigureOut">
               <a:rPr lang="it-IT" smtClean="0"/>
-              <a:t>25/06/2020</a:t>
+              <a:t>26/06/2020</a:t>
             </a:fld>
             <a:endParaRPr lang="it-IT"/>
           </a:p>
@@ -1865,7 +1865,7 @@
           <a:p>
             <a:fld id="{A5D274A6-A6BC-430F-8850-ACA5B73D8810}" type="datetimeFigureOut">
               <a:rPr lang="it-IT" smtClean="0"/>
-              <a:t>25/06/2020</a:t>
+              <a:t>26/06/2020</a:t>
             </a:fld>
             <a:endParaRPr lang="it-IT"/>
           </a:p>
@@ -2006,7 +2006,7 @@
           <a:p>
             <a:fld id="{A5D274A6-A6BC-430F-8850-ACA5B73D8810}" type="datetimeFigureOut">
               <a:rPr lang="it-IT" smtClean="0"/>
-              <a:t>25/06/2020</a:t>
+              <a:t>26/06/2020</a:t>
             </a:fld>
             <a:endParaRPr lang="it-IT"/>
           </a:p>
@@ -2119,7 +2119,7 @@
           <a:p>
             <a:fld id="{A5D274A6-A6BC-430F-8850-ACA5B73D8810}" type="datetimeFigureOut">
               <a:rPr lang="it-IT" smtClean="0"/>
-              <a:t>25/06/2020</a:t>
+              <a:t>26/06/2020</a:t>
             </a:fld>
             <a:endParaRPr lang="it-IT"/>
           </a:p>
@@ -2430,7 +2430,7 @@
           <a:p>
             <a:fld id="{A5D274A6-A6BC-430F-8850-ACA5B73D8810}" type="datetimeFigureOut">
               <a:rPr lang="it-IT" smtClean="0"/>
-              <a:t>25/06/2020</a:t>
+              <a:t>26/06/2020</a:t>
             </a:fld>
             <a:endParaRPr lang="it-IT"/>
           </a:p>
@@ -2718,7 +2718,7 @@
           <a:p>
             <a:fld id="{A5D274A6-A6BC-430F-8850-ACA5B73D8810}" type="datetimeFigureOut">
               <a:rPr lang="it-IT" smtClean="0"/>
-              <a:t>25/06/2020</a:t>
+              <a:t>26/06/2020</a:t>
             </a:fld>
             <a:endParaRPr lang="it-IT"/>
           </a:p>
@@ -2959,7 +2959,7 @@
           <a:p>
             <a:fld id="{A5D274A6-A6BC-430F-8850-ACA5B73D8810}" type="datetimeFigureOut">
               <a:rPr lang="it-IT" smtClean="0"/>
-              <a:t>25/06/2020</a:t>
+              <a:t>26/06/2020</a:t>
             </a:fld>
             <a:endParaRPr lang="it-IT"/>
           </a:p>
@@ -8094,8 +8094,8 @@
         </p:nvSpPr>
         <p:spPr>
           <a:xfrm>
-            <a:off x="427607" y="2725444"/>
-            <a:ext cx="11336785" cy="923330"/>
+            <a:off x="115410" y="1402670"/>
+            <a:ext cx="11780667" cy="4524315"/>
           </a:xfrm>
           <a:prstGeom prst="rect">
             <a:avLst/>
@@ -8110,31 +8110,138 @@
           <a:p>
             <a:pPr algn="ctr"/>
             <a:r>
+              <a:rPr lang="it-IT" dirty="0" err="1"/>
+              <a:t>Wokshop</a:t>
+            </a:r>
+            <a:r>
+              <a:rPr lang="it-IT" dirty="0"/>
+              <a:t> session:</a:t>
+            </a:r>
+          </a:p>
+          <a:p>
+            <a:pPr algn="just"/>
+            <a:r>
               <a:rPr lang="it-IT" dirty="0">
                 <a:hlinkClick r:id="rId3"/>
               </a:rPr>
-              <a:t>https://github.com/claudio1975/SDS2020/blob/master/notebooks/laboratory/1a_Lab_An_Experimental_EDA.ipynb</a:t>
+              <a:t>https://github.com/claudio1975/SDS2020/blob/master/notebooks/workshop/0_An_Experimental_EDA_for_a_classification_task.ipynb</a:t>
             </a:r>
             <a:endParaRPr lang="it-IT" dirty="0"/>
           </a:p>
           <a:p>
-            <a:pPr algn="ctr"/>
+            <a:pPr algn="just"/>
             <a:r>
               <a:rPr lang="it-IT" dirty="0">
                 <a:hlinkClick r:id="rId4"/>
               </a:rPr>
+              <a:t>https://github.com/claudio1975/SDS2020/blob/master/notebooks/workshop/1_An_Experimental_EDA_for_a_classification_task.ipynb</a:t>
+            </a:r>
+            <a:endParaRPr lang="it-IT" dirty="0"/>
+          </a:p>
+          <a:p>
+            <a:pPr algn="ctr"/>
+            <a:r>
+              <a:rPr lang="it-IT" dirty="0" err="1"/>
+              <a:t>Laboratory</a:t>
+            </a:r>
+            <a:r>
+              <a:rPr lang="it-IT" dirty="0"/>
+              <a:t> Session:</a:t>
+            </a:r>
+          </a:p>
+          <a:p>
+            <a:pPr algn="just"/>
+            <a:r>
+              <a:rPr lang="it-IT" dirty="0">
+                <a:hlinkClick r:id="rId5"/>
+              </a:rPr>
+              <a:t>https://github.com/claudio1975/SDS2020/blob/master/notebooks/laboratory/0_Lab_Experimental_EDA_for_a_classification_task.ipynb</a:t>
+            </a:r>
+            <a:endParaRPr lang="it-IT" dirty="0"/>
+          </a:p>
+          <a:p>
+            <a:pPr algn="just"/>
+            <a:r>
+              <a:rPr lang="it-IT" dirty="0">
+                <a:hlinkClick r:id="rId6"/>
+              </a:rPr>
+              <a:t>https://github.com/claudio1975/SDS2020/blob/master/notebooks/laboratory/1a_Lab_An_Experimental_EDA.ipynb</a:t>
+            </a:r>
+            <a:endParaRPr lang="it-IT" dirty="0"/>
+          </a:p>
+          <a:p>
+            <a:pPr algn="just"/>
+            <a:r>
+              <a:rPr lang="it-IT" dirty="0">
+                <a:hlinkClick r:id="rId7"/>
+              </a:rPr>
               <a:t>https://github.com/claudio1975/SDS2020/blob/master/notebooks/laboratory/1b_Lab_An_Experimental_EDA.ipynb</a:t>
             </a:r>
             <a:endParaRPr lang="it-IT" dirty="0"/>
           </a:p>
           <a:p>
+            <a:pPr algn="just"/>
+            <a:r>
+              <a:rPr lang="it-IT" dirty="0">
+                <a:hlinkClick r:id="rId8"/>
+              </a:rPr>
+              <a:t>https://github.com/claudio1975/SDS2020/blob/master/notebooks/laboratory/1c_Lab_An_Experimental_EDA.ipynb</a:t>
+            </a:r>
+            <a:endParaRPr lang="it-IT" dirty="0"/>
+          </a:p>
+          <a:p>
             <a:pPr algn="ctr"/>
             <a:r>
+              <a:rPr lang="it-IT" dirty="0"/>
+              <a:t>Challenge </a:t>
+            </a:r>
+            <a:r>
+              <a:rPr lang="it-IT" dirty="0" err="1"/>
+              <a:t>yourself</a:t>
+            </a:r>
+            <a:r>
+              <a:rPr lang="it-IT" dirty="0"/>
+              <a:t>:</a:t>
+            </a:r>
+          </a:p>
+          <a:p>
+            <a:pPr algn="just"/>
+            <a:r>
               <a:rPr lang="it-IT" dirty="0">
-                <a:hlinkClick r:id="rId3"/>
-              </a:rPr>
-              <a:t>https://github.com/claudio1975/SDS2020/blob/master/notebooks/laboratory/1c_Lab_An_Experimental_EDA.ipynb</a:t>
-            </a:r>
+                <a:hlinkClick r:id="rId9"/>
+              </a:rPr>
+              <a:t>https://github.com/claudio1975/SDS2020/blob/master/notebooks/laboratory/exercises/1a_Ex_An_Experimental_EDA.ipynb</a:t>
+            </a:r>
+            <a:endParaRPr lang="it-IT" dirty="0"/>
+          </a:p>
+          <a:p>
+            <a:pPr algn="just"/>
+            <a:r>
+              <a:rPr lang="it-IT" dirty="0">
+                <a:hlinkClick r:id="rId10"/>
+              </a:rPr>
+              <a:t>https://github.com/claudio1975/SDS2020/blob/master/notebooks/laboratory/exercises/1b </a:t>
+            </a:r>
+            <a:r>
+              <a:rPr lang="it-IT" dirty="0" err="1">
+                <a:hlinkClick r:id="rId10"/>
+              </a:rPr>
+              <a:t>Ex_An_Experimental_EDA.ipynb</a:t>
+            </a:r>
+            <a:endParaRPr lang="it-IT" dirty="0"/>
+          </a:p>
+          <a:p>
+            <a:pPr algn="just"/>
+            <a:r>
+              <a:rPr lang="it-IT" dirty="0">
+                <a:hlinkClick r:id="rId11"/>
+              </a:rPr>
+              <a:t>https://github.com/claudio1975/SDS2020/blob/master/notebooks/laboratory/exercises/1c_Ex_An_Experimental_EDA.ipynb</a:t>
+            </a:r>
+            <a:endParaRPr lang="it-IT" dirty="0"/>
+          </a:p>
+          <a:p>
+            <a:pPr algn="just"/>
             <a:endParaRPr lang="it-IT" dirty="0"/>
           </a:p>
         </p:txBody>
@@ -10968,8 +11075,8 @@
         </p:nvSpPr>
         <p:spPr>
           <a:xfrm>
-            <a:off x="427607" y="2725444"/>
-            <a:ext cx="11336785" cy="923330"/>
+            <a:off x="201227" y="1979720"/>
+            <a:ext cx="11828016" cy="3139321"/>
           </a:xfrm>
           <a:prstGeom prst="rect">
             <a:avLst/>
@@ -10984,12 +11091,39 @@
           <a:p>
             <a:pPr algn="ctr"/>
             <a:r>
+              <a:rPr lang="it-IT" dirty="0" err="1"/>
+              <a:t>Wokshop</a:t>
+            </a:r>
+            <a:r>
+              <a:rPr lang="it-IT" dirty="0"/>
+              <a:t> session:</a:t>
+            </a:r>
+          </a:p>
+          <a:p>
+            <a:pPr algn="just"/>
+            <a:r>
               <a:rPr lang="it-IT" dirty="0">
                 <a:hlinkClick r:id="rId3"/>
               </a:rPr>
-              <a:t>https://github.com/claudio1975/SDS2020/blob/master/notebooks/laboratory/2a_Lab_An_Experimental_EDA.ipynb</a:t>
-            </a:r>
-            <a:endParaRPr lang="it-IT" dirty="0"/>
+              <a:t>https://github.com/claudio1975/SDS2020/blob/master/notebooks/workshop/2_An_Experimental_EDA_for_a_classification_task.ipynb</a:t>
+            </a:r>
+            <a:endParaRPr lang="it-IT" dirty="0">
+              <a:hlinkClick r:id="rId4"/>
+            </a:endParaRPr>
+          </a:p>
+          <a:p>
+            <a:pPr algn="ctr"/>
+            <a:r>
+              <a:rPr lang="it-IT" dirty="0" err="1"/>
+              <a:t>Laboratory</a:t>
+            </a:r>
+            <a:r>
+              <a:rPr lang="it-IT" dirty="0"/>
+              <a:t> session:</a:t>
+            </a:r>
+            <a:endParaRPr lang="it-IT" dirty="0">
+              <a:hlinkClick r:id="rId4"/>
+            </a:endParaRPr>
           </a:p>
           <a:p>
             <a:pPr algn="ctr"/>
@@ -10997,7 +11131,7 @@
               <a:rPr lang="it-IT" dirty="0">
                 <a:hlinkClick r:id="rId4"/>
               </a:rPr>
-              <a:t>https://github.com/claudio1975/SDS2020/blob/master/notebooks/laboratory/2b_Lab_An_Experimental_EDA.ipynb</a:t>
+              <a:t>https://github.com/claudio1975/SDS2020/blob/master/notebooks/laboratory/2a_Lab_An_Experimental_EDA.ipynb</a:t>
             </a:r>
             <a:endParaRPr lang="it-IT" dirty="0"/>
           </a:p>
@@ -11007,7 +11141,62 @@
               <a:rPr lang="it-IT" dirty="0">
                 <a:hlinkClick r:id="rId5"/>
               </a:rPr>
+              <a:t>https://github.com/claudio1975/SDS2020/blob/master/notebooks/laboratory/2b_Lab_An_Experimental_EDA.ipynb</a:t>
+            </a:r>
+            <a:endParaRPr lang="it-IT" dirty="0"/>
+          </a:p>
+          <a:p>
+            <a:pPr algn="ctr"/>
+            <a:r>
+              <a:rPr lang="it-IT" dirty="0">
+                <a:hlinkClick r:id="rId6"/>
+              </a:rPr>
               <a:t>https://github.com/claudio1975/SDS2020/blob/master/notebooks/laboratory/2c_Lab_An_Experimental_EDA.ipynb</a:t>
+            </a:r>
+            <a:endParaRPr lang="it-IT" dirty="0"/>
+          </a:p>
+          <a:p>
+            <a:pPr algn="ctr"/>
+            <a:r>
+              <a:rPr lang="it-IT" dirty="0"/>
+              <a:t>Challenge </a:t>
+            </a:r>
+            <a:r>
+              <a:rPr lang="it-IT" dirty="0" err="1"/>
+              <a:t>yourself</a:t>
+            </a:r>
+            <a:r>
+              <a:rPr lang="it-IT" dirty="0"/>
+              <a:t>:</a:t>
+            </a:r>
+          </a:p>
+          <a:p>
+            <a:pPr algn="ctr"/>
+            <a:r>
+              <a:rPr lang="it-IT" dirty="0">
+                <a:hlinkClick r:id="rId7"/>
+              </a:rPr>
+              <a:t>https://github.com/claudio1975/SDS2020/blob/master/notebooks/laboratory/exercises/2a_Ex_An_Experimental_EDA.ipynb</a:t>
+            </a:r>
+            <a:endParaRPr lang="it-IT" dirty="0"/>
+          </a:p>
+          <a:p>
+            <a:pPr algn="ctr"/>
+            <a:r>
+              <a:rPr lang="it-IT" dirty="0">
+                <a:hlinkClick r:id="rId8"/>
+              </a:rPr>
+              <a:t>https://github.com/claudio1975/SDS2020/blob/master/notebooks/laboratory/exercises/2b_Ex_An_Experimental_EDA.ipynb</a:t>
+            </a:r>
+            <a:endParaRPr lang="it-IT" dirty="0"/>
+          </a:p>
+          <a:p>
+            <a:pPr algn="ctr"/>
+            <a:r>
+              <a:rPr lang="it-IT" dirty="0">
+                <a:hlinkClick r:id="rId9"/>
+              </a:rPr>
+              <a:t>https://github.com/claudio1975/SDS2020/blob/master/notebooks/laboratory/exercises/2c_Ex_An_Experimental_EDA.ipynb</a:t>
             </a:r>
             <a:endParaRPr lang="it-IT" dirty="0"/>
           </a:p>
@@ -13128,8 +13317,8 @@
         </p:nvSpPr>
         <p:spPr>
           <a:xfrm>
-            <a:off x="427607" y="2725444"/>
-            <a:ext cx="11336785" cy="923330"/>
+            <a:off x="239697" y="2725444"/>
+            <a:ext cx="11851689" cy="3139321"/>
           </a:xfrm>
           <a:prstGeom prst="rect">
             <a:avLst/>
@@ -13144,12 +13333,37 @@
           <a:p>
             <a:pPr algn="ctr"/>
             <a:r>
+              <a:rPr lang="it-IT" dirty="0" err="1"/>
+              <a:t>Wokshop</a:t>
+            </a:r>
+            <a:r>
+              <a:rPr lang="it-IT" dirty="0"/>
+              <a:t> session:</a:t>
+            </a:r>
+          </a:p>
+          <a:p>
+            <a:pPr algn="just"/>
+            <a:r>
               <a:rPr lang="it-IT" dirty="0">
                 <a:hlinkClick r:id="rId3"/>
               </a:rPr>
-              <a:t>https://github.com/claudio1975/SDS2020/blob/master/notebooks/laboratory/3a_Lab_An_Experimental_EDA.ipynb</a:t>
+              <a:t>https://github.com/claudio1975/SDS2020/blob/master/notebooks/workshop/3_An_Experimental_EDA_for_a_classification_task.ipynb</a:t>
             </a:r>
             <a:endParaRPr lang="it-IT" dirty="0"/>
+          </a:p>
+          <a:p>
+            <a:pPr algn="ctr"/>
+            <a:r>
+              <a:rPr lang="it-IT" dirty="0" err="1"/>
+              <a:t>Laboratory</a:t>
+            </a:r>
+            <a:r>
+              <a:rPr lang="it-IT" dirty="0"/>
+              <a:t> session:</a:t>
+            </a:r>
+            <a:endParaRPr lang="it-IT" dirty="0">
+              <a:hlinkClick r:id="rId4"/>
+            </a:endParaRPr>
           </a:p>
           <a:p>
             <a:pPr algn="ctr"/>
@@ -13157,7 +13371,7 @@
               <a:rPr lang="it-IT" dirty="0">
                 <a:hlinkClick r:id="rId4"/>
               </a:rPr>
-              <a:t>https://github.com/claudio1975/SDS2020/blob/master/notebooks/laboratory/3b_Lab_An_Experimental_EDA.ipynb</a:t>
+              <a:t>https://github.com/claudio1975/SDS2020/blob/master/notebooks/laboratory/3a_Lab_An_Experimental_EDA.ipynb</a:t>
             </a:r>
             <a:endParaRPr lang="it-IT" dirty="0"/>
           </a:p>
@@ -13167,8 +13381,51 @@
               <a:rPr lang="it-IT" dirty="0">
                 <a:hlinkClick r:id="rId5"/>
               </a:rPr>
+              <a:t>https://github.com/claudio1975/SDS2020/blob/master/notebooks/laboratory/3b_Lab_An_Experimental_EDA.ipynb</a:t>
+            </a:r>
+            <a:endParaRPr lang="it-IT" dirty="0"/>
+          </a:p>
+          <a:p>
+            <a:pPr algn="ctr"/>
+            <a:r>
+              <a:rPr lang="it-IT" dirty="0">
+                <a:hlinkClick r:id="rId6"/>
+              </a:rPr>
               <a:t>https://github.com/claudio1975/SDS2020/blob/master/notebooks/laboratory/3c_Lab_An_Experimental_EDA.ipynb</a:t>
             </a:r>
+            <a:endParaRPr lang="it-IT" dirty="0"/>
+          </a:p>
+          <a:p>
+            <a:pPr algn="ctr"/>
+            <a:r>
+              <a:rPr lang="it-IT" dirty="0"/>
+              <a:t>Challenge </a:t>
+            </a:r>
+            <a:r>
+              <a:rPr lang="it-IT" dirty="0" err="1"/>
+              <a:t>yourself</a:t>
+            </a:r>
+            <a:r>
+              <a:rPr lang="it-IT" dirty="0"/>
+              <a:t>:</a:t>
+            </a:r>
+          </a:p>
+          <a:p>
+            <a:pPr algn="ctr"/>
+            <a:r>
+              <a:rPr lang="it-IT" dirty="0">
+                <a:hlinkClick r:id="rId7"/>
+              </a:rPr>
+              <a:t>https://github.com/claudio1975/SDS2020/blob/master/notebooks/laboratory/exercises/3a_Ex_An_Experimental_EDA.ipynb</a:t>
+            </a:r>
+            <a:endParaRPr lang="it-IT" dirty="0"/>
+          </a:p>
+          <a:p>
+            <a:pPr algn="ctr"/>
+            <a:endParaRPr lang="it-IT" dirty="0"/>
+          </a:p>
+          <a:p>
+            <a:pPr algn="ctr"/>
             <a:endParaRPr lang="it-IT" dirty="0"/>
           </a:p>
         </p:txBody>
@@ -15488,8 +15745,8 @@
         </p:nvSpPr>
         <p:spPr>
           <a:xfrm>
-            <a:off x="427607" y="2725444"/>
-            <a:ext cx="11336785" cy="923330"/>
+            <a:off x="124287" y="2725444"/>
+            <a:ext cx="11771791" cy="3139321"/>
           </a:xfrm>
           <a:prstGeom prst="rect">
             <a:avLst/>
@@ -15504,12 +15761,37 @@
           <a:p>
             <a:pPr algn="ctr"/>
             <a:r>
+              <a:rPr lang="it-IT" dirty="0" err="1"/>
+              <a:t>Wokshop</a:t>
+            </a:r>
+            <a:r>
+              <a:rPr lang="it-IT" dirty="0"/>
+              <a:t> session:</a:t>
+            </a:r>
+          </a:p>
+          <a:p>
+            <a:pPr algn="just"/>
+            <a:r>
               <a:rPr lang="it-IT" dirty="0">
                 <a:hlinkClick r:id="rId3"/>
               </a:rPr>
-              <a:t>https://github.com/claudio1975/SDS2020/blob/master/notebooks/laboratory/4a_Lab_An_Experimental_EDA.ipynb</a:t>
+              <a:t>https://github.com/claudio1975/SDS2020/blob/master/notebooks/workshop/4_An_Experimental_EDA_for_a_classification_task.ipynb</a:t>
             </a:r>
             <a:endParaRPr lang="it-IT" dirty="0"/>
+          </a:p>
+          <a:p>
+            <a:pPr algn="ctr"/>
+            <a:r>
+              <a:rPr lang="it-IT" dirty="0" err="1"/>
+              <a:t>Laboratory</a:t>
+            </a:r>
+            <a:r>
+              <a:rPr lang="it-IT" dirty="0"/>
+              <a:t> session:</a:t>
+            </a:r>
+            <a:endParaRPr lang="it-IT" dirty="0">
+              <a:hlinkClick r:id="rId4"/>
+            </a:endParaRPr>
           </a:p>
           <a:p>
             <a:pPr algn="ctr"/>
@@ -15517,7 +15799,7 @@
               <a:rPr lang="it-IT" dirty="0">
                 <a:hlinkClick r:id="rId4"/>
               </a:rPr>
-              <a:t>https://github.com/claudio1975/SDS2020/blob/master/notebooks/laboratory/4b_Lab_An_Experimental_EDA.ipynb</a:t>
+              <a:t>https://github.com/claudio1975/SDS2020/blob/master/notebooks/laboratory/4a_Lab_An_Experimental_EDA.ipynb</a:t>
             </a:r>
             <a:endParaRPr lang="it-IT" dirty="0"/>
           </a:p>
@@ -15527,8 +15809,51 @@
               <a:rPr lang="it-IT" dirty="0">
                 <a:hlinkClick r:id="rId5"/>
               </a:rPr>
+              <a:t>https://github.com/claudio1975/SDS2020/blob/master/notebooks/laboratory/4b_Lab_An_Experimental_EDA.ipynb</a:t>
+            </a:r>
+            <a:endParaRPr lang="it-IT" dirty="0"/>
+          </a:p>
+          <a:p>
+            <a:pPr algn="ctr"/>
+            <a:r>
+              <a:rPr lang="it-IT" dirty="0">
+                <a:hlinkClick r:id="rId6"/>
+              </a:rPr>
               <a:t>https://github.com/claudio1975/SDS2020/blob/master/notebooks/laboratory/4c_Lab_An_Experimental_EDA.ipynb</a:t>
             </a:r>
+            <a:endParaRPr lang="it-IT" dirty="0"/>
+          </a:p>
+          <a:p>
+            <a:pPr algn="ctr"/>
+            <a:r>
+              <a:rPr lang="it-IT" dirty="0"/>
+              <a:t>Challenge </a:t>
+            </a:r>
+            <a:r>
+              <a:rPr lang="it-IT" dirty="0" err="1"/>
+              <a:t>yourself</a:t>
+            </a:r>
+            <a:r>
+              <a:rPr lang="it-IT" dirty="0"/>
+              <a:t>:</a:t>
+            </a:r>
+          </a:p>
+          <a:p>
+            <a:pPr algn="ctr"/>
+            <a:r>
+              <a:rPr lang="it-IT" dirty="0">
+                <a:hlinkClick r:id="rId7"/>
+              </a:rPr>
+              <a:t>https://github.com/claudio1975/SDS2020/blob/master/notebooks/laboratory/exercises/4a_Ex_An_Experimental_EDA.ipynb</a:t>
+            </a:r>
+            <a:endParaRPr lang="it-IT" dirty="0"/>
+          </a:p>
+          <a:p>
+            <a:pPr algn="ctr"/>
+            <a:endParaRPr lang="it-IT" dirty="0"/>
+          </a:p>
+          <a:p>
+            <a:pPr algn="ctr"/>
             <a:endParaRPr lang="it-IT" dirty="0"/>
           </a:p>
         </p:txBody>
@@ -16007,8 +16332,8 @@
         </p:nvSpPr>
         <p:spPr>
           <a:xfrm>
-            <a:off x="427607" y="2796690"/>
-            <a:ext cx="11336785" cy="646331"/>
+            <a:off x="248575" y="2796690"/>
+            <a:ext cx="11816178" cy="2585323"/>
           </a:xfrm>
           <a:prstGeom prst="rect">
             <a:avLst/>
@@ -16022,11 +16347,75 @@
           <a:lstStyle/>
           <a:p>
             <a:pPr algn="ctr"/>
+            <a:endParaRPr lang="it-IT" dirty="0"/>
+          </a:p>
+          <a:p>
+            <a:pPr algn="ctr"/>
+            <a:r>
+              <a:rPr lang="it-IT" dirty="0" err="1"/>
+              <a:t>Wokshop</a:t>
+            </a:r>
+            <a:r>
+              <a:rPr lang="it-IT" dirty="0"/>
+              <a:t> session:</a:t>
+            </a:r>
+          </a:p>
+          <a:p>
+            <a:pPr algn="just"/>
             <a:r>
               <a:rPr lang="it-IT" dirty="0">
                 <a:hlinkClick r:id="rId3"/>
               </a:rPr>
+              <a:t>https://github.com/claudio1975/SDS2020/blob/master/notebooks/workshop/5_An_Experimental_EDA_for_a_classification_task.ipynb</a:t>
+            </a:r>
+            <a:endParaRPr lang="it-IT" dirty="0"/>
+          </a:p>
+          <a:p>
+            <a:pPr algn="ctr"/>
+            <a:r>
+              <a:rPr lang="it-IT" dirty="0" err="1"/>
+              <a:t>Laboratory</a:t>
+            </a:r>
+            <a:r>
+              <a:rPr lang="it-IT" dirty="0"/>
+              <a:t> session:</a:t>
+            </a:r>
+            <a:endParaRPr lang="it-IT" dirty="0">
+              <a:hlinkClick r:id="rId4"/>
+            </a:endParaRPr>
+          </a:p>
+          <a:p>
+            <a:pPr algn="ctr"/>
+            <a:r>
+              <a:rPr lang="it-IT" dirty="0">
+                <a:hlinkClick r:id="rId5"/>
+              </a:rPr>
               <a:t>https://github.com/claudio1975/SDS2020/blob/master/notebooks/laboratory/5a_Lab_An_Experimental_EDA.ipynb</a:t>
+            </a:r>
+            <a:endParaRPr lang="it-IT" dirty="0"/>
+          </a:p>
+          <a:p>
+            <a:pPr algn="ctr"/>
+            <a:r>
+              <a:rPr lang="it-IT" dirty="0"/>
+              <a:t>Challenge </a:t>
+            </a:r>
+            <a:r>
+              <a:rPr lang="it-IT" dirty="0" err="1"/>
+              <a:t>yourself</a:t>
+            </a:r>
+            <a:r>
+              <a:rPr lang="it-IT" dirty="0"/>
+              <a:t>:</a:t>
+            </a:r>
+          </a:p>
+          <a:p>
+            <a:pPr algn="ctr"/>
+            <a:r>
+              <a:rPr lang="it-IT" dirty="0">
+                <a:hlinkClick r:id="rId6"/>
+              </a:rPr>
+              <a:t>https://github.com/claudio1975/SDS2020/blob/master/notebooks/laboratory/exercises/5a_Ex_An_Experimental_EDA.ipynb</a:t>
             </a:r>
             <a:endParaRPr lang="it-IT" dirty="0"/>
           </a:p>
@@ -17629,8 +18018,8 @@
         </p:nvSpPr>
         <p:spPr>
           <a:xfrm>
-            <a:off x="427607" y="2725444"/>
-            <a:ext cx="11336785" cy="923330"/>
+            <a:off x="221943" y="2725444"/>
+            <a:ext cx="11771790" cy="3139321"/>
           </a:xfrm>
           <a:prstGeom prst="rect">
             <a:avLst/>
@@ -17645,12 +18034,37 @@
           <a:p>
             <a:pPr algn="ctr"/>
             <a:r>
+              <a:rPr lang="it-IT" dirty="0" err="1"/>
+              <a:t>Wokshop</a:t>
+            </a:r>
+            <a:r>
+              <a:rPr lang="it-IT" dirty="0"/>
+              <a:t> session:</a:t>
+            </a:r>
+          </a:p>
+          <a:p>
+            <a:pPr algn="just"/>
+            <a:r>
               <a:rPr lang="it-IT" dirty="0">
                 <a:hlinkClick r:id="rId3"/>
               </a:rPr>
-              <a:t>https://github.com/claudio1975/SDS2020/blob/master/notebooks/laboratory/6a_Lab_An_Experimental_EDA.ipynb</a:t>
+              <a:t>https://github.com/claudio1975/SDS2020/blob/master/notebooks/workshop/6_An_Experimental_EDA_for_a_classification_task.ipynb</a:t>
             </a:r>
             <a:endParaRPr lang="it-IT" dirty="0"/>
+          </a:p>
+          <a:p>
+            <a:pPr algn="ctr"/>
+            <a:r>
+              <a:rPr lang="it-IT" dirty="0" err="1"/>
+              <a:t>Laboratory</a:t>
+            </a:r>
+            <a:r>
+              <a:rPr lang="it-IT" dirty="0"/>
+              <a:t> session:</a:t>
+            </a:r>
+            <a:endParaRPr lang="it-IT" dirty="0">
+              <a:hlinkClick r:id="rId4"/>
+            </a:endParaRPr>
           </a:p>
           <a:p>
             <a:pPr algn="ctr"/>
@@ -17658,7 +18072,7 @@
               <a:rPr lang="it-IT" dirty="0">
                 <a:hlinkClick r:id="rId4"/>
               </a:rPr>
-              <a:t>https://github.com/claudio1975/SDS2020/blob/master/notebooks/laboratory/6b_Lab_An_Experimental_EDA.ipynb</a:t>
+              <a:t>https://github.com/claudio1975/SDS2020/blob/master/notebooks/laboratory/6a_Lab_An_Experimental_EDA.ipynb</a:t>
             </a:r>
             <a:endParaRPr lang="it-IT" dirty="0"/>
           </a:p>
@@ -17668,8 +18082,51 @@
               <a:rPr lang="it-IT" dirty="0">
                 <a:hlinkClick r:id="rId5"/>
               </a:rPr>
+              <a:t>https://github.com/claudio1975/SDS2020/blob/master/notebooks/laboratory/6b_Lab_An_Experimental_EDA.ipynb</a:t>
+            </a:r>
+            <a:endParaRPr lang="it-IT" dirty="0"/>
+          </a:p>
+          <a:p>
+            <a:pPr algn="ctr"/>
+            <a:r>
+              <a:rPr lang="it-IT" dirty="0">
+                <a:hlinkClick r:id="rId6"/>
+              </a:rPr>
               <a:t>https://github.com/claudio1975/SDS2020/blob/master/notebooks/laboratory/6c_Lab_An_Experimental_EDA.ipynb</a:t>
             </a:r>
+            <a:endParaRPr lang="it-IT" dirty="0"/>
+          </a:p>
+          <a:p>
+            <a:pPr algn="ctr"/>
+            <a:endParaRPr lang="it-IT" dirty="0"/>
+          </a:p>
+          <a:p>
+            <a:pPr algn="ctr"/>
+            <a:r>
+              <a:rPr lang="it-IT" dirty="0"/>
+              <a:t>Challenge </a:t>
+            </a:r>
+            <a:r>
+              <a:rPr lang="it-IT" dirty="0" err="1"/>
+              <a:t>yourself</a:t>
+            </a:r>
+            <a:r>
+              <a:rPr lang="it-IT" dirty="0"/>
+              <a:t>:</a:t>
+            </a:r>
+          </a:p>
+          <a:p>
+            <a:pPr algn="ctr"/>
+            <a:r>
+              <a:rPr lang="it-IT" dirty="0">
+                <a:hlinkClick r:id="rId7"/>
+              </a:rPr>
+              <a:t>https://github.com/claudio1975/SDS2020/blob/master/notebooks/laboratory/exercises/6a_Ex_An_Experimental_EDA.ipynb</a:t>
+            </a:r>
+            <a:endParaRPr lang="it-IT" dirty="0"/>
+          </a:p>
+          <a:p>
+            <a:pPr algn="ctr"/>
             <a:endParaRPr lang="it-IT" dirty="0"/>
           </a:p>
         </p:txBody>
